--- a/HW1_Report.pptx
+++ b/HW1_Report.pptx
@@ -5,7 +5,7 @@
     <p:sldMasterId id="2147483648" r:id="rId1"/>
   </p:sldMasterIdLst>
   <p:notesMasterIdLst>
-    <p:notesMasterId r:id="rId12"/>
+    <p:notesMasterId r:id="rId13"/>
   </p:notesMasterIdLst>
   <p:sldIdLst>
     <p:sldId id="256" r:id="rId2"/>
@@ -18,6 +18,7 @@
     <p:sldId id="263" r:id="rId9"/>
     <p:sldId id="264" r:id="rId10"/>
     <p:sldId id="265" r:id="rId11"/>
+    <p:sldId id="266" r:id="rId12"/>
   </p:sldIdLst>
   <p:sldSz cx="12192000" cy="6858000"/>
   <p:notesSz cx="6858000" cy="9144000"/>
@@ -116,6 +117,11 @@
       </a:defRPr>
     </a:lvl9pPr>
   </p:defaultTextStyle>
+  <p:extLst>
+    <p:ext uri="{EFAFB233-063F-42B5-8137-9DF3F51BA10A}">
+      <p15:sldGuideLst xmlns:p15="http://schemas.microsoft.com/office/powerpoint/2012/main"/>
+    </p:ext>
+  </p:extLst>
 </p:presentation>
 </file>
 
@@ -201,7 +207,7 @@
           <a:p>
             <a:fld id="{75FF17F9-D77C-40DD-9673-F185EFE20D8E}" type="datetimeFigureOut">
               <a:rPr lang="zh-TW" altLang="en-US" smtClean="0"/>
-              <a:t>2024/3/14</a:t>
+              <a:t>2024/3/17</a:t>
             </a:fld>
             <a:endParaRPr lang="zh-TW" altLang="en-US"/>
           </a:p>
@@ -615,7 +621,7 @@
           <a:p>
             <a:fld id="{90EAB9D5-8C32-4411-9194-41855089074A}" type="datetime1">
               <a:rPr lang="zh-TW" altLang="en-US" smtClean="0"/>
-              <a:t>2024/3/14</a:t>
+              <a:t>2024/3/17</a:t>
             </a:fld>
             <a:endParaRPr lang="zh-TW" altLang="en-US"/>
           </a:p>
@@ -813,7 +819,7 @@
           <a:p>
             <a:fld id="{66323875-51CB-45E0-88E4-BB3D6F0A82E4}" type="datetime1">
               <a:rPr lang="zh-TW" altLang="en-US" smtClean="0"/>
-              <a:t>2024/3/14</a:t>
+              <a:t>2024/3/17</a:t>
             </a:fld>
             <a:endParaRPr lang="zh-TW" altLang="en-US"/>
           </a:p>
@@ -1021,7 +1027,7 @@
           <a:p>
             <a:fld id="{7CD4B2CB-FF56-4BFE-B3BF-2931F82EDD71}" type="datetime1">
               <a:rPr lang="zh-TW" altLang="en-US" smtClean="0"/>
-              <a:t>2024/3/14</a:t>
+              <a:t>2024/3/17</a:t>
             </a:fld>
             <a:endParaRPr lang="zh-TW" altLang="en-US"/>
           </a:p>
@@ -1219,7 +1225,7 @@
           <a:p>
             <a:fld id="{70AD978E-F107-4FCC-9A61-DD1CB06F9A7D}" type="datetime1">
               <a:rPr lang="zh-TW" altLang="en-US" smtClean="0"/>
-              <a:t>2024/3/14</a:t>
+              <a:t>2024/3/17</a:t>
             </a:fld>
             <a:endParaRPr lang="zh-TW" altLang="en-US"/>
           </a:p>
@@ -1494,7 +1500,7 @@
           <a:p>
             <a:fld id="{449622B4-4B7C-4E30-8E64-65907FCE69A2}" type="datetime1">
               <a:rPr lang="zh-TW" altLang="en-US" smtClean="0"/>
-              <a:t>2024/3/14</a:t>
+              <a:t>2024/3/17</a:t>
             </a:fld>
             <a:endParaRPr lang="zh-TW" altLang="en-US"/>
           </a:p>
@@ -1759,7 +1765,7 @@
           <a:p>
             <a:fld id="{F0D9ACED-12CB-4C83-8948-E16160E10CB9}" type="datetime1">
               <a:rPr lang="zh-TW" altLang="en-US" smtClean="0"/>
-              <a:t>2024/3/14</a:t>
+              <a:t>2024/3/17</a:t>
             </a:fld>
             <a:endParaRPr lang="zh-TW" altLang="en-US"/>
           </a:p>
@@ -2171,7 +2177,7 @@
           <a:p>
             <a:fld id="{CEA7AEEA-648A-427F-AD69-65B81752AEF4}" type="datetime1">
               <a:rPr lang="zh-TW" altLang="en-US" smtClean="0"/>
-              <a:t>2024/3/14</a:t>
+              <a:t>2024/3/17</a:t>
             </a:fld>
             <a:endParaRPr lang="zh-TW" altLang="en-US"/>
           </a:p>
@@ -2312,7 +2318,7 @@
           <a:p>
             <a:fld id="{FA79D3F9-7A49-4FD6-8D09-874BB08CD6D4}" type="datetime1">
               <a:rPr lang="zh-TW" altLang="en-US" smtClean="0"/>
-              <a:t>2024/3/14</a:t>
+              <a:t>2024/3/17</a:t>
             </a:fld>
             <a:endParaRPr lang="zh-TW" altLang="en-US"/>
           </a:p>
@@ -2425,7 +2431,7 @@
           <a:p>
             <a:fld id="{3D5269B5-9AA8-4B2A-A254-71B8B72A6B1A}" type="datetime1">
               <a:rPr lang="zh-TW" altLang="en-US" smtClean="0"/>
-              <a:t>2024/3/14</a:t>
+              <a:t>2024/3/17</a:t>
             </a:fld>
             <a:endParaRPr lang="zh-TW" altLang="en-US"/>
           </a:p>
@@ -2736,7 +2742,7 @@
           <a:p>
             <a:fld id="{27C3F6A9-0A35-476F-B372-08E5D231943A}" type="datetime1">
               <a:rPr lang="zh-TW" altLang="en-US" smtClean="0"/>
-              <a:t>2024/3/14</a:t>
+              <a:t>2024/3/17</a:t>
             </a:fld>
             <a:endParaRPr lang="zh-TW" altLang="en-US"/>
           </a:p>
@@ -3024,7 +3030,7 @@
           <a:p>
             <a:fld id="{AED85635-386E-48D5-A5EE-139E102D0620}" type="datetime1">
               <a:rPr lang="zh-TW" altLang="en-US" smtClean="0"/>
-              <a:t>2024/3/14</a:t>
+              <a:t>2024/3/17</a:t>
             </a:fld>
             <a:endParaRPr lang="zh-TW" altLang="en-US"/>
           </a:p>
@@ -3265,7 +3271,7 @@
           <a:p>
             <a:fld id="{C0FAFB6C-E836-4B7C-8B4E-2E3C782B4BE3}" type="datetime1">
               <a:rPr lang="zh-TW" altLang="en-US" smtClean="0"/>
-              <a:t>2024/3/14</a:t>
+              <a:t>2024/3/17</a:t>
             </a:fld>
             <a:endParaRPr lang="zh-TW" altLang="en-US"/>
           </a:p>
@@ -3776,6 +3782,62 @@
           </a:p>
         </p:txBody>
       </p:sp>
+      <p:sp>
+        <p:nvSpPr>
+          <p:cNvPr id="6" name="文字方塊 5">
+            <a:extLst>
+              <a:ext uri="{FF2B5EF4-FFF2-40B4-BE49-F238E27FC236}">
+                <a16:creationId xmlns:a16="http://schemas.microsoft.com/office/drawing/2014/main" id="{D690F7DE-FECA-9B93-EDE9-7D92A25D8D4B}"/>
+              </a:ext>
+            </a:extLst>
+          </p:cNvPr>
+          <p:cNvSpPr txBox="1"/>
+          <p:nvPr/>
+        </p:nvSpPr>
+        <p:spPr>
+          <a:xfrm>
+            <a:off x="3585674" y="4423847"/>
+            <a:ext cx="6097554" cy="369332"/>
+          </a:xfrm>
+          <a:prstGeom prst="rect">
+            <a:avLst/>
+          </a:prstGeom>
+          <a:noFill/>
+        </p:spPr>
+        <p:txBody>
+          <a:bodyPr wrap="square">
+            <a:spAutoFit/>
+          </a:bodyPr>
+          <a:lstStyle/>
+          <a:p>
+            <a:r>
+              <a:rPr lang="en-US" altLang="zh-TW" dirty="0" err="1">
+                <a:hlinkClick r:id="rId2"/>
+              </a:rPr>
+              <a:t>Github</a:t>
+            </a:r>
+            <a:r>
+              <a:rPr lang="en-US" altLang="zh-TW" dirty="0">
+                <a:hlinkClick r:id="rId2"/>
+              </a:rPr>
+              <a:t>: </a:t>
+            </a:r>
+            <a:r>
+              <a:rPr lang="en-US" altLang="zh-TW" dirty="0" err="1">
+                <a:hlinkClick r:id="rId2"/>
+              </a:rPr>
+              <a:t>Lontoone</a:t>
+            </a:r>
+            <a:r>
+              <a:rPr lang="en-US" altLang="zh-TW" dirty="0">
+                <a:hlinkClick r:id="rId2"/>
+              </a:rPr>
+              <a:t>/NTHU_11202_Car_hw1 (github.com)</a:t>
+            </a:r>
+            <a:endParaRPr lang="zh-TW" altLang="en-US" dirty="0"/>
+          </a:p>
+        </p:txBody>
+      </p:sp>
     </p:spTree>
     <p:extLst>
       <p:ext uri="{BB962C8B-B14F-4D97-AF65-F5344CB8AC3E}">
@@ -3828,10 +3890,10 @@
           <a:lstStyle/>
           <a:p>
             <a:r>
-              <a:rPr lang="en-US" altLang="zh-TW" dirty="0"/>
-              <a:t>Collision Handle </a:t>
-            </a:r>
-            <a:endParaRPr lang="zh-TW" altLang="en-US" dirty="0"/>
+              <a:rPr lang="en-US" altLang="zh-TW" strike="sngStrike" dirty="0"/>
+              <a:t>Collision Handle (Old) </a:t>
+            </a:r>
+            <a:endParaRPr lang="zh-TW" altLang="en-US" strike="sngStrike" dirty="0"/>
           </a:p>
         </p:txBody>
       </p:sp>
@@ -4045,6 +4107,138 @@
       </p:par>
     </p:tnLst>
   </p:timing>
+</p:sld>
+</file>
+
+<file path=ppt/slides/slide11.xml><?xml version="1.0" encoding="utf-8"?>
+<p:sld xmlns:a="http://schemas.openxmlformats.org/drawingml/2006/main" xmlns:r="http://schemas.openxmlformats.org/officeDocument/2006/relationships" xmlns:p="http://schemas.openxmlformats.org/presentationml/2006/main">
+  <p:cSld>
+    <p:spTree>
+      <p:nvGrpSpPr>
+        <p:cNvPr id="1" name=""/>
+        <p:cNvGrpSpPr/>
+        <p:nvPr/>
+      </p:nvGrpSpPr>
+      <p:grpSpPr>
+        <a:xfrm>
+          <a:off x="0" y="0"/>
+          <a:ext cx="0" cy="0"/>
+          <a:chOff x="0" y="0"/>
+          <a:chExt cx="0" cy="0"/>
+        </a:xfrm>
+      </p:grpSpPr>
+      <p:sp>
+        <p:nvSpPr>
+          <p:cNvPr id="2" name="標題 1">
+            <a:extLst>
+              <a:ext uri="{FF2B5EF4-FFF2-40B4-BE49-F238E27FC236}">
+                <a16:creationId xmlns:a16="http://schemas.microsoft.com/office/drawing/2014/main" id="{A75EA64A-334F-845D-9451-808B937FAC40}"/>
+              </a:ext>
+            </a:extLst>
+          </p:cNvPr>
+          <p:cNvSpPr>
+            <a:spLocks noGrp="1"/>
+          </p:cNvSpPr>
+          <p:nvPr>
+            <p:ph type="title"/>
+          </p:nvPr>
+        </p:nvSpPr>
+        <p:spPr/>
+        <p:txBody>
+          <a:bodyPr/>
+          <a:lstStyle/>
+          <a:p>
+            <a:r>
+              <a:rPr lang="en-US" altLang="zh-TW" dirty="0"/>
+              <a:t>Collision Handle </a:t>
+            </a:r>
+            <a:r>
+              <a:rPr lang="zh-TW" altLang="en-US" dirty="0"/>
+              <a:t> </a:t>
+            </a:r>
+            <a:r>
+              <a:rPr lang="en-US" altLang="zh-TW" dirty="0"/>
+              <a:t>(Improved!)</a:t>
+            </a:r>
+            <a:endParaRPr lang="zh-TW" altLang="en-US" dirty="0"/>
+          </a:p>
+        </p:txBody>
+      </p:sp>
+      <p:sp>
+        <p:nvSpPr>
+          <p:cNvPr id="4" name="投影片編號版面配置區 3">
+            <a:extLst>
+              <a:ext uri="{FF2B5EF4-FFF2-40B4-BE49-F238E27FC236}">
+                <a16:creationId xmlns:a16="http://schemas.microsoft.com/office/drawing/2014/main" id="{499B23CF-4EBF-3202-0598-516CC3220B8C}"/>
+              </a:ext>
+            </a:extLst>
+          </p:cNvPr>
+          <p:cNvSpPr>
+            <a:spLocks noGrp="1"/>
+          </p:cNvSpPr>
+          <p:nvPr>
+            <p:ph type="sldNum" sz="quarter" idx="12"/>
+          </p:nvPr>
+        </p:nvSpPr>
+        <p:spPr/>
+        <p:txBody>
+          <a:bodyPr/>
+          <a:lstStyle/>
+          <a:p>
+            <a:fld id="{55DE5255-553D-4C00-8865-C9000F7DA306}" type="slidenum">
+              <a:rPr lang="zh-TW" altLang="en-US" smtClean="0"/>
+              <a:t>11</a:t>
+            </a:fld>
+            <a:endParaRPr lang="zh-TW" altLang="en-US"/>
+          </a:p>
+        </p:txBody>
+      </p:sp>
+      <p:pic>
+        <p:nvPicPr>
+          <p:cNvPr id="5" name="圖片 4" descr="一張含有 螢幕擷取畫面, 圖表, 文字, 繪圖軟體 的圖片&#10;&#10;自動產生的描述">
+            <a:extLst>
+              <a:ext uri="{FF2B5EF4-FFF2-40B4-BE49-F238E27FC236}">
+                <a16:creationId xmlns:a16="http://schemas.microsoft.com/office/drawing/2014/main" id="{39924705-7554-48B2-BA16-A562BAC13659}"/>
+              </a:ext>
+            </a:extLst>
+          </p:cNvPr>
+          <p:cNvPicPr>
+            <a:picLocks noChangeAspect="1"/>
+          </p:cNvPicPr>
+          <p:nvPr/>
+        </p:nvPicPr>
+        <p:blipFill>
+          <a:blip r:embed="rId2">
+            <a:extLst>
+              <a:ext uri="{28A0092B-C50C-407E-A947-70E740481C1C}">
+                <a14:useLocalDpi xmlns:a14="http://schemas.microsoft.com/office/drawing/2010/main" val="0"/>
+              </a:ext>
+            </a:extLst>
+          </a:blip>
+          <a:stretch>
+            <a:fillRect/>
+          </a:stretch>
+        </p:blipFill>
+        <p:spPr>
+          <a:xfrm>
+            <a:off x="4637800" y="1474237"/>
+            <a:ext cx="4616438" cy="5344870"/>
+          </a:xfrm>
+          <a:prstGeom prst="rect">
+            <a:avLst/>
+          </a:prstGeom>
+        </p:spPr>
+      </p:pic>
+    </p:spTree>
+    <p:extLst>
+      <p:ext uri="{BB962C8B-B14F-4D97-AF65-F5344CB8AC3E}">
+        <p14:creationId xmlns:p14="http://schemas.microsoft.com/office/powerpoint/2010/main" val="1028440573"/>
+      </p:ext>
+    </p:extLst>
+  </p:cSld>
+  <p:clrMapOvr>
+    <a:masterClrMapping/>
+  </p:clrMapOvr>
 </p:sld>
 </file>
 
